--- a/27-28-JS angular directive.pptx
+++ b/27-28-JS angular directive.pptx
@@ -366,11 +366,7 @@
           <a:p>
             <a:r>
               <a:rPr lang="en-US" dirty="0"/>
-              <a:t>The customized directives will be interpreted in runtime to </a:t>
-            </a:r>
-            <a:r>
-              <a:rPr lang="en-US"/>
-              <a:t>html elements.</a:t>
+              <a:t>The customized directives will be interpreted in runtime to html elements.</a:t>
             </a:r>
           </a:p>
           <a:p>
@@ -420,6 +416,421 @@
           </a:bodyPr>
           <a:lstStyle/>
           <a:p>
+            <a:pPr marL="0" marR="0" lvl="0" indent="0" algn="l" defTabSz="914400" rtl="0" eaLnBrk="1" fontAlgn="auto" latinLnBrk="0" hangingPunct="1">
+              <a:lnSpc>
+                <a:spcPct val="100000"/>
+              </a:lnSpc>
+              <a:spcBef>
+                <a:spcPts val="0"/>
+              </a:spcBef>
+              <a:spcAft>
+                <a:spcPts val="0"/>
+              </a:spcAft>
+              <a:buClrTx/>
+              <a:buSzTx/>
+              <a:buFontTx/>
+              <a:buNone/>
+              <a:tabLst/>
+              <a:defRPr/>
+            </a:pPr>
+            <a:r>
+              <a:rPr lang="en-US" sz="1200" b="0" kern="1200" dirty="0">
+                <a:solidFill>
+                  <a:schemeClr val="tx1"/>
+                </a:solidFill>
+                <a:effectLst/>
+                <a:latin typeface="+mn-lt"/>
+                <a:ea typeface="+mn-ea"/>
+                <a:cs typeface="+mn-cs"/>
+              </a:rPr>
+              <a:t>In a </a:t>
+            </a:r>
+            <a:r>
+              <a:rPr lang="en-US" sz="1200" b="0" kern="1200" dirty="0" err="1">
+                <a:solidFill>
+                  <a:schemeClr val="tx1"/>
+                </a:solidFill>
+                <a:effectLst/>
+                <a:latin typeface="+mn-lt"/>
+                <a:ea typeface="+mn-ea"/>
+                <a:cs typeface="+mn-cs"/>
+              </a:rPr>
+              <a:t>js</a:t>
+            </a:r>
+            <a:r>
+              <a:rPr lang="en-US" sz="1200" b="0" kern="1200" dirty="0">
+                <a:solidFill>
+                  <a:schemeClr val="tx1"/>
+                </a:solidFill>
+                <a:effectLst/>
+                <a:latin typeface="+mn-lt"/>
+                <a:ea typeface="+mn-ea"/>
+                <a:cs typeface="+mn-cs"/>
+              </a:rPr>
+              <a:t> file or in the same file as app.js (module),</a:t>
+            </a:r>
+          </a:p>
+          <a:p>
+            <a:pPr marL="0" marR="0" lvl="0" indent="0" algn="l" defTabSz="914400" rtl="0" eaLnBrk="1" fontAlgn="auto" latinLnBrk="0" hangingPunct="1">
+              <a:lnSpc>
+                <a:spcPct val="100000"/>
+              </a:lnSpc>
+              <a:spcBef>
+                <a:spcPts val="0"/>
+              </a:spcBef>
+              <a:spcAft>
+                <a:spcPts val="0"/>
+              </a:spcAft>
+              <a:buClrTx/>
+              <a:buSzTx/>
+              <a:buFontTx/>
+              <a:buNone/>
+              <a:tabLst/>
+              <a:defRPr/>
+            </a:pPr>
+            <a:r>
+              <a:rPr lang="en-US" sz="1200" b="0" kern="1200" dirty="0" err="1">
+                <a:solidFill>
+                  <a:schemeClr val="tx1"/>
+                </a:solidFill>
+                <a:effectLst/>
+                <a:latin typeface="+mn-lt"/>
+                <a:ea typeface="+mn-ea"/>
+                <a:cs typeface="+mn-cs"/>
+              </a:rPr>
+              <a:t>app.directive</a:t>
+            </a:r>
+            <a:r>
+              <a:rPr lang="en-US" sz="1200" b="0" kern="1200" dirty="0">
+                <a:solidFill>
+                  <a:schemeClr val="tx1"/>
+                </a:solidFill>
+                <a:effectLst/>
+                <a:latin typeface="+mn-lt"/>
+                <a:ea typeface="+mn-ea"/>
+                <a:cs typeface="+mn-cs"/>
+              </a:rPr>
+              <a:t>("&lt;name&gt;",function(){}); - the function will be called after the html loads.</a:t>
+            </a:r>
+          </a:p>
+          <a:p>
+            <a:pPr marL="0" marR="0" lvl="0" indent="0" algn="l" defTabSz="914400" rtl="0" eaLnBrk="1" fontAlgn="auto" latinLnBrk="0" hangingPunct="1">
+              <a:lnSpc>
+                <a:spcPct val="100000"/>
+              </a:lnSpc>
+              <a:spcBef>
+                <a:spcPts val="0"/>
+              </a:spcBef>
+              <a:spcAft>
+                <a:spcPts val="0"/>
+              </a:spcAft>
+              <a:buClrTx/>
+              <a:buSzTx/>
+              <a:buFontTx/>
+              <a:buNone/>
+              <a:tabLst/>
+              <a:defRPr/>
+            </a:pPr>
+            <a:r>
+              <a:rPr lang="en-US" sz="1200" b="0" kern="1200" dirty="0">
+                <a:solidFill>
+                  <a:schemeClr val="tx1"/>
+                </a:solidFill>
+                <a:effectLst/>
+                <a:latin typeface="+mn-lt"/>
+                <a:ea typeface="+mn-ea"/>
+                <a:cs typeface="+mn-cs"/>
+              </a:rPr>
+              <a:t>&lt;name&gt; - the mapping to the element in the html, if the name contains 2 words there is a slight difference in </a:t>
+            </a:r>
+            <a:r>
+              <a:rPr lang="en-US" sz="1200" b="0" kern="1200" dirty="0" err="1">
+                <a:solidFill>
+                  <a:schemeClr val="tx1"/>
+                </a:solidFill>
+                <a:effectLst/>
+                <a:latin typeface="+mn-lt"/>
+                <a:ea typeface="+mn-ea"/>
+                <a:cs typeface="+mn-cs"/>
+              </a:rPr>
+              <a:t>js</a:t>
+            </a:r>
+            <a:r>
+              <a:rPr lang="en-US" sz="1200" b="0" kern="1200" dirty="0">
+                <a:solidFill>
+                  <a:schemeClr val="tx1"/>
+                </a:solidFill>
+                <a:effectLst/>
+                <a:latin typeface="+mn-lt"/>
+                <a:ea typeface="+mn-ea"/>
+                <a:cs typeface="+mn-cs"/>
+              </a:rPr>
+              <a:t> we have to use </a:t>
+            </a:r>
+            <a:r>
+              <a:rPr lang="en-US" sz="1200" b="0" kern="1200" dirty="0" err="1">
+                <a:solidFill>
+                  <a:schemeClr val="tx1"/>
+                </a:solidFill>
+                <a:effectLst/>
+                <a:latin typeface="+mn-lt"/>
+                <a:ea typeface="+mn-ea"/>
+                <a:cs typeface="+mn-cs"/>
+              </a:rPr>
+              <a:t>lowerCamelCase</a:t>
+            </a:r>
+            <a:r>
+              <a:rPr lang="en-US" sz="1200" b="0" kern="1200" dirty="0">
+                <a:solidFill>
+                  <a:schemeClr val="tx1"/>
+                </a:solidFill>
+                <a:effectLst/>
+                <a:latin typeface="+mn-lt"/>
+                <a:ea typeface="+mn-ea"/>
+                <a:cs typeface="+mn-cs"/>
+              </a:rPr>
+              <a:t> (</a:t>
+            </a:r>
+            <a:r>
+              <a:rPr lang="en-US" sz="1200" b="0" kern="1200" dirty="0" err="1">
+                <a:solidFill>
+                  <a:schemeClr val="tx1"/>
+                </a:solidFill>
+                <a:effectLst/>
+                <a:latin typeface="+mn-lt"/>
+                <a:ea typeface="+mn-ea"/>
+                <a:cs typeface="+mn-cs"/>
+              </a:rPr>
+              <a:t>myDirective</a:t>
+            </a:r>
+            <a:r>
+              <a:rPr lang="en-US" sz="1200" b="0" kern="1200" dirty="0">
+                <a:solidFill>
+                  <a:schemeClr val="tx1"/>
+                </a:solidFill>
+                <a:effectLst/>
+                <a:latin typeface="+mn-lt"/>
+                <a:ea typeface="+mn-ea"/>
+                <a:cs typeface="+mn-cs"/>
+              </a:rPr>
+              <a:t>) in the html it will be mapped the name will dashes – my-directive</a:t>
+            </a:r>
+          </a:p>
+          <a:p>
+            <a:r>
+              <a:rPr lang="en-US" sz="1200" b="0" kern="1200" dirty="0" err="1">
+                <a:solidFill>
+                  <a:schemeClr val="tx1"/>
+                </a:solidFill>
+                <a:effectLst/>
+                <a:latin typeface="+mn-lt"/>
+                <a:ea typeface="+mn-ea"/>
+                <a:cs typeface="+mn-cs"/>
+              </a:rPr>
+              <a:t>app.directive</a:t>
+            </a:r>
+            <a:r>
+              <a:rPr lang="en-US" sz="1200" b="0" kern="1200" dirty="0">
+                <a:solidFill>
+                  <a:schemeClr val="tx1"/>
+                </a:solidFill>
+                <a:effectLst/>
+                <a:latin typeface="+mn-lt"/>
+                <a:ea typeface="+mn-ea"/>
+                <a:cs typeface="+mn-cs"/>
+              </a:rPr>
+              <a:t>("&lt;name&gt;",function(){</a:t>
+            </a:r>
+          </a:p>
+          <a:p>
+            <a:r>
+              <a:rPr lang="en-US" sz="1200" b="0" kern="1200" dirty="0">
+                <a:solidFill>
+                  <a:schemeClr val="tx1"/>
+                </a:solidFill>
+                <a:effectLst/>
+                <a:latin typeface="+mn-lt"/>
+                <a:ea typeface="+mn-ea"/>
+                <a:cs typeface="+mn-cs"/>
+              </a:rPr>
+              <a:t>	return{</a:t>
+            </a:r>
+          </a:p>
+          <a:p>
+            <a:r>
+              <a:rPr lang="en-US" sz="1200" b="0" kern="1200" dirty="0">
+                <a:solidFill>
+                  <a:schemeClr val="tx1"/>
+                </a:solidFill>
+                <a:effectLst/>
+                <a:latin typeface="+mn-lt"/>
+                <a:ea typeface="+mn-ea"/>
+                <a:cs typeface="+mn-cs"/>
+              </a:rPr>
+              <a:t>	   template :   … ,</a:t>
+            </a:r>
+            <a:br>
+              <a:rPr lang="en-US" sz="1200" b="0" kern="1200" dirty="0">
+                <a:solidFill>
+                  <a:schemeClr val="tx1"/>
+                </a:solidFill>
+                <a:effectLst/>
+                <a:latin typeface="+mn-lt"/>
+                <a:ea typeface="+mn-ea"/>
+                <a:cs typeface="+mn-cs"/>
+              </a:rPr>
+            </a:br>
+            <a:r>
+              <a:rPr lang="en-US" sz="1200" b="0" kern="1200" dirty="0">
+                <a:solidFill>
+                  <a:schemeClr val="tx1"/>
+                </a:solidFill>
+                <a:effectLst/>
+                <a:latin typeface="+mn-lt"/>
+                <a:ea typeface="+mn-ea"/>
+                <a:cs typeface="+mn-cs"/>
+              </a:rPr>
+              <a:t>                           </a:t>
+            </a:r>
+            <a:r>
+              <a:rPr lang="en-US" sz="1200" b="0" kern="1200" dirty="0" err="1">
+                <a:solidFill>
+                  <a:schemeClr val="tx1"/>
+                </a:solidFill>
+                <a:effectLst/>
+                <a:latin typeface="+mn-lt"/>
+                <a:ea typeface="+mn-ea"/>
+                <a:cs typeface="+mn-cs"/>
+              </a:rPr>
+              <a:t>tempalteUrl</a:t>
+            </a:r>
+            <a:r>
+              <a:rPr lang="en-US" sz="1200" b="0" kern="1200" dirty="0">
+                <a:solidFill>
+                  <a:schemeClr val="tx1"/>
+                </a:solidFill>
+                <a:effectLst/>
+                <a:latin typeface="+mn-lt"/>
+                <a:ea typeface="+mn-ea"/>
+                <a:cs typeface="+mn-cs"/>
+              </a:rPr>
+              <a:t> : ….. ,</a:t>
+            </a:r>
+            <a:br>
+              <a:rPr lang="en-US" sz="1200" b="0" kern="1200" dirty="0">
+                <a:solidFill>
+                  <a:schemeClr val="tx1"/>
+                </a:solidFill>
+                <a:effectLst/>
+                <a:latin typeface="+mn-lt"/>
+                <a:ea typeface="+mn-ea"/>
+                <a:cs typeface="+mn-cs"/>
+              </a:rPr>
+            </a:br>
+            <a:r>
+              <a:rPr lang="en-US" sz="1200" b="0" kern="1200" dirty="0">
+                <a:solidFill>
+                  <a:schemeClr val="tx1"/>
+                </a:solidFill>
+                <a:effectLst/>
+                <a:latin typeface="+mn-lt"/>
+                <a:ea typeface="+mn-ea"/>
+                <a:cs typeface="+mn-cs"/>
+              </a:rPr>
+              <a:t>	   restrict (A|C|E) : ….. ,</a:t>
+            </a:r>
+          </a:p>
+          <a:p>
+            <a:r>
+              <a:rPr lang="en-US" sz="1200" b="0" kern="1200" dirty="0">
+                <a:solidFill>
+                  <a:schemeClr val="tx1"/>
+                </a:solidFill>
+                <a:effectLst/>
+                <a:latin typeface="+mn-lt"/>
+                <a:ea typeface="+mn-ea"/>
+                <a:cs typeface="+mn-cs"/>
+              </a:rPr>
+              <a:t>	   controller : ….,</a:t>
+            </a:r>
+          </a:p>
+          <a:p>
+            <a:r>
+              <a:rPr lang="en-US" sz="1200" b="0" kern="1200" dirty="0">
+                <a:solidFill>
+                  <a:schemeClr val="tx1"/>
+                </a:solidFill>
+                <a:effectLst/>
+                <a:latin typeface="+mn-lt"/>
+                <a:ea typeface="+mn-ea"/>
+                <a:cs typeface="+mn-cs"/>
+              </a:rPr>
+              <a:t>	   …</a:t>
+            </a:r>
+          </a:p>
+          <a:p>
+            <a:r>
+              <a:rPr lang="en-US" sz="1200" b="0" kern="1200" dirty="0">
+                <a:solidFill>
+                  <a:schemeClr val="tx1"/>
+                </a:solidFill>
+                <a:effectLst/>
+                <a:latin typeface="+mn-lt"/>
+                <a:ea typeface="+mn-ea"/>
+                <a:cs typeface="+mn-cs"/>
+              </a:rPr>
+              <a:t>	};</a:t>
+            </a:r>
+          </a:p>
+          <a:p>
+            <a:r>
+              <a:rPr lang="en-US" sz="1200" b="0" kern="1200" dirty="0">
+                <a:solidFill>
+                  <a:schemeClr val="tx1"/>
+                </a:solidFill>
+                <a:effectLst/>
+                <a:latin typeface="+mn-lt"/>
+                <a:ea typeface="+mn-ea"/>
+                <a:cs typeface="+mn-cs"/>
+              </a:rPr>
+              <a:t>}); </a:t>
+            </a:r>
+          </a:p>
+          <a:p>
+            <a:endParaRPr lang="en-US" dirty="0"/>
+          </a:p>
+          <a:p>
+            <a:r>
+              <a:rPr lang="en-US" dirty="0"/>
+              <a:t>A – attribute</a:t>
+            </a:r>
+          </a:p>
+          <a:p>
+            <a:r>
+              <a:rPr lang="en-US" dirty="0"/>
+              <a:t>C- class</a:t>
+            </a:r>
+          </a:p>
+          <a:p>
+            <a:r>
+              <a:rPr lang="en-US" dirty="0"/>
+              <a:t>E – element</a:t>
+            </a:r>
+          </a:p>
+          <a:p>
+            <a:r>
+              <a:rPr lang="en-US" dirty="0"/>
+              <a:t>Can use all 3 EAC</a:t>
+            </a:r>
+          </a:p>
+          <a:p>
+            <a:endParaRPr lang="en-US" dirty="0"/>
+          </a:p>
+          <a:p>
+            <a:r>
+              <a:rPr lang="en-US" dirty="0"/>
+              <a:t>Directive are used in navbar that are changing between pages</a:t>
+            </a:r>
             <a:endParaRPr dirty="0"/>
           </a:p>
         </p:txBody>
@@ -558,7 +969,52 @@
           </a:bodyPr>
           <a:lstStyle/>
           <a:p>
-            <a:endParaRPr/>
+            <a:r>
+              <a:rPr lang="en-US" dirty="0"/>
+              <a:t>Top movies with list of bootstrap</a:t>
+            </a:r>
+          </a:p>
+          <a:p>
+            <a:r>
+              <a:rPr lang="en-US" dirty="0" err="1"/>
+              <a:t>contorller</a:t>
+            </a:r>
+            <a:endParaRPr lang="en-US" dirty="0"/>
+          </a:p>
+          <a:p>
+            <a:r>
+              <a:rPr lang="en-US" dirty="0"/>
+              <a:t>Movie : name  length stars directors  image, each movie should be a directive  click on li will refer to </a:t>
+            </a:r>
+            <a:r>
+              <a:rPr lang="en-US" dirty="0" err="1"/>
+              <a:t>imdb</a:t>
+            </a:r>
+            <a:r>
+              <a:rPr lang="en-US"/>
+              <a:t> page(&lt;</a:t>
+            </a:r>
+            <a:r>
+              <a:rPr lang="en-US" dirty="0"/>
+              <a:t>li </a:t>
+            </a:r>
+            <a:r>
+              <a:rPr lang="en-US" dirty="0" err="1"/>
+              <a:t>myDirective</a:t>
+            </a:r>
+            <a:r>
+              <a:rPr lang="en-US" dirty="0"/>
+              <a:t> ng-</a:t>
+            </a:r>
+            <a:r>
+              <a:rPr lang="en-US" dirty="0" err="1"/>
+              <a:t>repeate</a:t>
+            </a:r>
+            <a:r>
+              <a:rPr lang="en-US" dirty="0"/>
+              <a:t>….&gt; &lt;/li&gt;)</a:t>
+            </a:r>
+            <a:endParaRPr dirty="0"/>
           </a:p>
         </p:txBody>
       </p:sp>
